--- a/Presentazione nino.pptx
+++ b/Presentazione nino.pptx
@@ -8,7 +8,12 @@
     <p:sldId id="256" r:id="rId2"/>
     <p:sldId id="257" r:id="rId3"/>
     <p:sldId id="258" r:id="rId4"/>
-    <p:sldId id="259" r:id="rId5"/>
+    <p:sldId id="260" r:id="rId5"/>
+    <p:sldId id="261" r:id="rId6"/>
+    <p:sldId id="262" r:id="rId7"/>
+    <p:sldId id="263" r:id="rId8"/>
+    <p:sldId id="264" r:id="rId9"/>
+    <p:sldId id="259" r:id="rId10"/>
   </p:sldIdLst>
   <p:sldSz cx="12192000" cy="6858000"/>
   <p:notesSz cx="6858000" cy="9144000"/>
@@ -3642,6 +3647,123 @@
           </a:fontRef>
         </p:style>
       </p:cxnSp>
+      <p:sp>
+        <p:nvSpPr>
+          <p:cNvPr id="57" name="Rettangolo arrotondato 56"/>
+          <p:cNvSpPr/>
+          <p:nvPr/>
+        </p:nvSpPr>
+        <p:spPr>
+          <a:xfrm>
+            <a:off x="9504608" y="2067456"/>
+            <a:ext cx="2343955" cy="778771"/>
+          </a:xfrm>
+          <a:prstGeom prst="roundRect">
+            <a:avLst/>
+          </a:prstGeom>
+        </p:spPr>
+        <p:style>
+          <a:lnRef idx="2">
+            <a:schemeClr val="accent1">
+              <a:shade val="50000"/>
+            </a:schemeClr>
+          </a:lnRef>
+          <a:fillRef idx="1">
+            <a:schemeClr val="accent1"/>
+          </a:fillRef>
+          <a:effectRef idx="0">
+            <a:schemeClr val="accent1"/>
+          </a:effectRef>
+          <a:fontRef idx="minor">
+            <a:schemeClr val="lt1"/>
+          </a:fontRef>
+        </p:style>
+        <p:txBody>
+          <a:bodyPr rtlCol="0" anchor="ctr"/>
+          <a:lstStyle/>
+          <a:p>
+            <a:pPr algn="ctr"/>
+            <a:r>
+              <a:rPr lang="it-IT" dirty="0" smtClean="0"/>
+              <a:t>ErrorInsertUser</a:t>
+            </a:r>
+          </a:p>
+          <a:p>
+            <a:pPr algn="ctr"/>
+            <a:r>
+              <a:rPr lang="it-IT" dirty="0" smtClean="0"/>
+              <a:t>ExistingUserError.jsp</a:t>
+            </a:r>
+            <a:endParaRPr lang="it-IT" dirty="0"/>
+          </a:p>
+        </p:txBody>
+      </p:sp>
+      <p:cxnSp>
+        <p:nvCxnSpPr>
+          <p:cNvPr id="59" name="Connettore 2 58"/>
+          <p:cNvCxnSpPr/>
+          <p:nvPr/>
+        </p:nvCxnSpPr>
+        <p:spPr>
+          <a:xfrm>
+            <a:off x="8680361" y="2215166"/>
+            <a:ext cx="759853" cy="0"/>
+          </a:xfrm>
+          <a:prstGeom prst="straightConnector1">
+            <a:avLst/>
+          </a:prstGeom>
+          <a:ln>
+            <a:tailEnd type="triangle"/>
+          </a:ln>
+        </p:spPr>
+        <p:style>
+          <a:lnRef idx="1">
+            <a:schemeClr val="accent1"/>
+          </a:lnRef>
+          <a:fillRef idx="0">
+            <a:schemeClr val="accent1"/>
+          </a:fillRef>
+          <a:effectRef idx="0">
+            <a:schemeClr val="accent1"/>
+          </a:effectRef>
+          <a:fontRef idx="minor">
+            <a:schemeClr val="tx1"/>
+          </a:fontRef>
+        </p:style>
+      </p:cxnSp>
+      <p:cxnSp>
+        <p:nvCxnSpPr>
+          <p:cNvPr id="62" name="Connettore 2 61"/>
+          <p:cNvCxnSpPr/>
+          <p:nvPr/>
+        </p:nvCxnSpPr>
+        <p:spPr>
+          <a:xfrm flipH="1">
+            <a:off x="8680361" y="2562896"/>
+            <a:ext cx="759853" cy="0"/>
+          </a:xfrm>
+          <a:prstGeom prst="straightConnector1">
+            <a:avLst/>
+          </a:prstGeom>
+          <a:ln>
+            <a:tailEnd type="triangle"/>
+          </a:ln>
+        </p:spPr>
+        <p:style>
+          <a:lnRef idx="1">
+            <a:schemeClr val="accent1"/>
+          </a:lnRef>
+          <a:fillRef idx="0">
+            <a:schemeClr val="accent1"/>
+          </a:fillRef>
+          <a:effectRef idx="0">
+            <a:schemeClr val="accent1"/>
+          </a:effectRef>
+          <a:fontRef idx="minor">
+            <a:schemeClr val="tx1"/>
+          </a:fontRef>
+        </p:style>
+      </p:cxnSp>
     </p:spTree>
     <p:extLst>
       <p:ext uri="{BB962C8B-B14F-4D97-AF65-F5344CB8AC3E}">
@@ -3652,6 +3774,13 @@
   <p:clrMapOvr>
     <a:masterClrMapping/>
   </p:clrMapOvr>
+  <p:timing>
+    <p:tnLst>
+      <p:par>
+        <p:cTn id="1" dur="indefinite" restart="never" nodeType="tmRoot"/>
+      </p:par>
+    </p:tnLst>
+  </p:timing>
 </p:sld>
 </file>
 
@@ -3718,7 +3847,7 @@
         </p:nvSpPr>
         <p:spPr>
           <a:xfrm>
-            <a:off x="4964805" y="965916"/>
+            <a:off x="4964803" y="476514"/>
             <a:ext cx="2292439" cy="785612"/>
           </a:xfrm>
           <a:prstGeom prst="roundRect">
@@ -3769,7 +3898,7 @@
         </p:nvCxnSpPr>
         <p:spPr>
           <a:xfrm flipH="1">
-            <a:off x="5428444" y="1996225"/>
+            <a:off x="5195010" y="3176232"/>
             <a:ext cx="495838" cy="695460"/>
           </a:xfrm>
           <a:prstGeom prst="straightConnector1">
@@ -3802,7 +3931,7 @@
         </p:nvSpPr>
         <p:spPr>
           <a:xfrm>
-            <a:off x="3876539" y="2859110"/>
+            <a:off x="4964802" y="2163645"/>
             <a:ext cx="2292439" cy="837127"/>
           </a:xfrm>
           <a:prstGeom prst="roundRect">
@@ -3845,9 +3974,9 @@
           <p:nvPr/>
         </p:nvCxnSpPr>
         <p:spPr>
-          <a:xfrm>
-            <a:off x="5132229" y="3915176"/>
-            <a:ext cx="0" cy="875764"/>
+          <a:xfrm flipH="1">
+            <a:off x="6104584" y="1481067"/>
+            <a:ext cx="6437" cy="540914"/>
           </a:xfrm>
           <a:prstGeom prst="straightConnector1">
             <a:avLst/>
@@ -3879,8 +4008,8 @@
         </p:nvSpPr>
         <p:spPr>
           <a:xfrm>
-            <a:off x="3986009" y="4996999"/>
-            <a:ext cx="2199067" cy="746976"/>
+            <a:off x="3905517" y="3920009"/>
+            <a:ext cx="2199067" cy="837127"/>
           </a:xfrm>
           <a:prstGeom prst="roundRect">
             <a:avLst/>
@@ -3909,45 +4038,12 @@
             <a:pPr algn="ctr"/>
             <a:r>
               <a:rPr lang="it-IT" dirty="0" smtClean="0"/>
-              <a:t>‘Componenti’Page.jsp</a:t>
+              <a:t>MotherboardPage.jsp</a:t>
             </a:r>
             <a:endParaRPr lang="it-IT" dirty="0"/>
           </a:p>
         </p:txBody>
       </p:sp>
-      <p:cxnSp>
-        <p:nvCxnSpPr>
-          <p:cNvPr id="14" name="Connettore 2 13"/>
-          <p:cNvCxnSpPr/>
-          <p:nvPr/>
-        </p:nvCxnSpPr>
-        <p:spPr>
-          <a:xfrm>
-            <a:off x="6244639" y="5370487"/>
-            <a:ext cx="225385" cy="3180"/>
-          </a:xfrm>
-          <a:prstGeom prst="straightConnector1">
-            <a:avLst/>
-          </a:prstGeom>
-          <a:ln>
-            <a:tailEnd type="triangle"/>
-          </a:ln>
-        </p:spPr>
-        <p:style>
-          <a:lnRef idx="1">
-            <a:schemeClr val="accent1"/>
-          </a:lnRef>
-          <a:fillRef idx="0">
-            <a:schemeClr val="accent1"/>
-          </a:fillRef>
-          <a:effectRef idx="0">
-            <a:schemeClr val="accent1"/>
-          </a:effectRef>
-          <a:fontRef idx="minor">
-            <a:schemeClr val="tx1"/>
-          </a:fontRef>
-        </p:style>
-      </p:cxnSp>
       <p:sp>
         <p:nvSpPr>
           <p:cNvPr id="15" name="Rettangolo arrotondato 14"/>
@@ -3956,8 +4052,8 @@
         </p:nvSpPr>
         <p:spPr>
           <a:xfrm>
-            <a:off x="6529588" y="5013057"/>
-            <a:ext cx="2176529" cy="746976"/>
+            <a:off x="3905517" y="5404252"/>
+            <a:ext cx="2199067" cy="746976"/>
           </a:xfrm>
           <a:prstGeom prst="roundRect">
             <a:avLst/>
@@ -3984,6 +4080,10 @@
           <a:lstStyle/>
           <a:p>
             <a:pPr algn="ctr"/>
+            <a:endParaRPr lang="it-IT" dirty="0" smtClean="0"/>
+          </a:p>
+          <a:p>
+            <a:pPr algn="ctr"/>
             <a:r>
               <a:rPr lang="it-IT" dirty="0" smtClean="0"/>
               <a:t>Logout</a:t>
@@ -4003,7 +4103,7 @@
         </p:nvCxnSpPr>
         <p:spPr>
           <a:xfrm>
-            <a:off x="6407233" y="1996225"/>
+            <a:off x="6529588" y="3193518"/>
             <a:ext cx="650390" cy="695460"/>
           </a:xfrm>
           <a:prstGeom prst="straightConnector1">
@@ -4036,7 +4136,7 @@
         </p:nvSpPr>
         <p:spPr>
           <a:xfrm>
-            <a:off x="6529588" y="2859110"/>
+            <a:off x="6402403" y="3920009"/>
             <a:ext cx="2176529" cy="837127"/>
           </a:xfrm>
           <a:prstGeom prst="roundRect">
@@ -4072,39 +4172,6 @@
           </a:p>
         </p:txBody>
       </p:sp>
-      <p:cxnSp>
-        <p:nvCxnSpPr>
-          <p:cNvPr id="22" name="Connettore 2 21"/>
-          <p:cNvCxnSpPr/>
-          <p:nvPr/>
-        </p:nvCxnSpPr>
-        <p:spPr>
-          <a:xfrm flipH="1">
-            <a:off x="6185076" y="3277673"/>
-            <a:ext cx="238255" cy="6440"/>
-          </a:xfrm>
-          <a:prstGeom prst="straightConnector1">
-            <a:avLst/>
-          </a:prstGeom>
-          <a:ln>
-            <a:tailEnd type="triangle"/>
-          </a:ln>
-        </p:spPr>
-        <p:style>
-          <a:lnRef idx="1">
-            <a:schemeClr val="accent1"/>
-          </a:lnRef>
-          <a:fillRef idx="0">
-            <a:schemeClr val="accent1"/>
-          </a:fillRef>
-          <a:effectRef idx="0">
-            <a:schemeClr val="accent1"/>
-          </a:effectRef>
-          <a:fontRef idx="minor">
-            <a:schemeClr val="tx1"/>
-          </a:fontRef>
-        </p:style>
-      </p:cxnSp>
       <p:sp>
         <p:nvSpPr>
           <p:cNvPr id="26" name="Rettangolo arrotondato 25"/>
@@ -4113,7 +4180,7 @@
         </p:nvSpPr>
         <p:spPr>
           <a:xfrm>
-            <a:off x="9350061" y="5013057"/>
+            <a:off x="6728408" y="5407428"/>
             <a:ext cx="2099256" cy="746976"/>
           </a:xfrm>
           <a:prstGeom prst="roundRect">
@@ -4157,10 +4224,78 @@
         </p:nvCxnSpPr>
         <p:spPr>
           <a:xfrm>
-            <a:off x="8834907" y="5386545"/>
+            <a:off x="6209220" y="5806674"/>
             <a:ext cx="386366" cy="0"/>
           </a:xfrm>
           <a:prstGeom prst="straightConnector1">
+            <a:avLst/>
+          </a:prstGeom>
+          <a:ln>
+            <a:tailEnd type="triangle"/>
+          </a:ln>
+        </p:spPr>
+        <p:style>
+          <a:lnRef idx="1">
+            <a:schemeClr val="accent1"/>
+          </a:lnRef>
+          <a:fillRef idx="0">
+            <a:schemeClr val="accent1"/>
+          </a:fillRef>
+          <a:effectRef idx="0">
+            <a:schemeClr val="accent1"/>
+          </a:effectRef>
+          <a:fontRef idx="minor">
+            <a:schemeClr val="tx1"/>
+          </a:fontRef>
+        </p:style>
+      </p:cxnSp>
+      <p:cxnSp>
+        <p:nvCxnSpPr>
+          <p:cNvPr id="31" name="Connettore 2 30"/>
+          <p:cNvCxnSpPr/>
+          <p:nvPr/>
+        </p:nvCxnSpPr>
+        <p:spPr>
+          <a:xfrm>
+            <a:off x="4964802" y="4906851"/>
+            <a:ext cx="0" cy="373487"/>
+          </a:xfrm>
+          <a:prstGeom prst="straightConnector1">
+            <a:avLst/>
+          </a:prstGeom>
+          <a:ln>
+            <a:tailEnd type="triangle"/>
+          </a:ln>
+        </p:spPr>
+        <p:style>
+          <a:lnRef idx="1">
+            <a:schemeClr val="accent1"/>
+          </a:lnRef>
+          <a:fillRef idx="0">
+            <a:schemeClr val="accent1"/>
+          </a:fillRef>
+          <a:effectRef idx="0">
+            <a:schemeClr val="accent1"/>
+          </a:effectRef>
+          <a:fontRef idx="minor">
+            <a:schemeClr val="tx1"/>
+          </a:fontRef>
+        </p:style>
+      </p:cxnSp>
+      <p:cxnSp>
+        <p:nvCxnSpPr>
+          <p:cNvPr id="36" name="Connettore 4 35"/>
+          <p:cNvCxnSpPr>
+            <a:endCxn id="5" idx="3"/>
+          </p:cNvCxnSpPr>
+          <p:nvPr/>
+        </p:nvCxnSpPr>
+        <p:spPr>
+          <a:xfrm rot="16200000" flipV="1">
+            <a:off x="6073191" y="2053372"/>
+            <a:ext cx="3089325" cy="721221"/>
+          </a:xfrm>
+          <a:prstGeom prst="bentConnector2">
             <a:avLst/>
           </a:prstGeom>
           <a:ln>
@@ -4192,6 +4327,13 @@
   <p:clrMapOvr>
     <a:masterClrMapping/>
   </p:clrMapOvr>
+  <p:timing>
+    <p:tnLst>
+      <p:par>
+        <p:cTn id="1" dur="indefinite" restart="never" nodeType="tmRoot"/>
+      </p:par>
+    </p:tnLst>
+  </p:timing>
 </p:sld>
 </file>
 
@@ -4230,7 +4372,7 @@
         </p:spPr>
         <p:txBody>
           <a:bodyPr>
-            <a:normAutofit lnSpcReduction="10000"/>
+            <a:normAutofit fontScale="92500" lnSpcReduction="10000"/>
           </a:bodyPr>
           <a:lstStyle/>
           <a:p>
@@ -4353,6 +4495,12 @@
               <a:rPr lang="it-IT" sz="1800" b="1" dirty="0" smtClean="0"/>
               <a:t>“userid“);</a:t>
             </a:r>
+          </a:p>
+          <a:p>
+            <a:pPr marL="0" indent="0">
+              <a:buNone/>
+            </a:pPr>
+            <a:endParaRPr lang="it-IT" sz="1800" dirty="0" smtClean="0"/>
           </a:p>
           <a:p>
             <a:pPr marL="0" indent="0">
@@ -4434,6 +4582,36 @@
           </a:p>
         </p:txBody>
       </p:sp>
+      <p:cxnSp>
+        <p:nvCxnSpPr>
+          <p:cNvPr id="6" name="Connettore 1 5"/>
+          <p:cNvCxnSpPr/>
+          <p:nvPr/>
+        </p:nvCxnSpPr>
+        <p:spPr>
+          <a:xfrm>
+            <a:off x="360608" y="3644721"/>
+            <a:ext cx="11307651" cy="12879"/>
+          </a:xfrm>
+          <a:prstGeom prst="line">
+            <a:avLst/>
+          </a:prstGeom>
+        </p:spPr>
+        <p:style>
+          <a:lnRef idx="1">
+            <a:schemeClr val="dk1"/>
+          </a:lnRef>
+          <a:fillRef idx="0">
+            <a:schemeClr val="dk1"/>
+          </a:fillRef>
+          <a:effectRef idx="0">
+            <a:schemeClr val="dk1"/>
+          </a:effectRef>
+          <a:fontRef idx="minor">
+            <a:schemeClr val="tx1"/>
+          </a:fontRef>
+        </p:style>
+      </p:cxnSp>
     </p:spTree>
     <p:extLst>
       <p:ext uri="{BB962C8B-B14F-4D97-AF65-F5344CB8AC3E}">
@@ -4444,6 +4622,13 @@
   <p:clrMapOvr>
     <a:masterClrMapping/>
   </p:clrMapOvr>
+  <p:timing>
+    <p:tnLst>
+      <p:par>
+        <p:cTn id="1" dur="indefinite" restart="never" nodeType="tmRoot"/>
+      </p:par>
+    </p:tnLst>
+  </p:timing>
 </p:sld>
 </file>
 
@@ -4476,21 +4661,941 @@
         </p:nvSpPr>
         <p:spPr>
           <a:xfrm>
-            <a:off x="90152" y="128789"/>
-            <a:ext cx="11263648" cy="6619741"/>
-          </a:xfrm>
-        </p:spPr>
-        <p:txBody>
-          <a:bodyPr>
-            <a:normAutofit/>
+            <a:off x="103031" y="128788"/>
+            <a:ext cx="11977352" cy="6593983"/>
+          </a:xfrm>
+        </p:spPr>
+        <p:txBody>
+          <a:bodyPr/>
+          <a:lstStyle/>
+          <a:p>
+            <a:endParaRPr lang="it-IT" dirty="0" smtClean="0"/>
+          </a:p>
+          <a:p>
+            <a:pPr marL="0" indent="0">
+              <a:buNone/>
+            </a:pPr>
+            <a:endParaRPr lang="it-IT" sz="1400" dirty="0"/>
+          </a:p>
+          <a:p>
+            <a:endParaRPr lang="it-IT" dirty="0" smtClean="0"/>
+          </a:p>
+          <a:p>
+            <a:pPr marL="0" indent="0">
+              <a:buNone/>
+            </a:pPr>
+            <a:endParaRPr lang="it-IT" dirty="0"/>
+          </a:p>
+          <a:p>
+            <a:pPr marL="0" indent="0">
+              <a:buNone/>
+            </a:pPr>
+            <a:endParaRPr lang="it-IT" sz="1200" dirty="0"/>
+          </a:p>
+        </p:txBody>
+      </p:sp>
+      <p:sp>
+        <p:nvSpPr>
+          <p:cNvPr id="45" name="CasellaDiTesto 44"/>
+          <p:cNvSpPr txBox="1"/>
+          <p:nvPr/>
+        </p:nvSpPr>
+        <p:spPr>
+          <a:xfrm>
+            <a:off x="2820473" y="919424"/>
+            <a:ext cx="6053071" cy="3734874"/>
+          </a:xfrm>
+          <a:prstGeom prst="rect">
+            <a:avLst/>
+          </a:prstGeom>
+          <a:noFill/>
+        </p:spPr>
+        <p:txBody>
+          <a:bodyPr wrap="square" rtlCol="0">
+            <a:spAutoFit/>
           </a:bodyPr>
           <a:lstStyle/>
           <a:p>
-            <a:pPr marL="0" indent="0">
-              <a:buNone/>
+            <a:endParaRPr lang="it-IT" dirty="0"/>
+          </a:p>
+        </p:txBody>
+      </p:sp>
+      <p:sp>
+        <p:nvSpPr>
+          <p:cNvPr id="47" name="Rettangolo 46"/>
+          <p:cNvSpPr/>
+          <p:nvPr/>
+        </p:nvSpPr>
+        <p:spPr>
+          <a:xfrm>
+            <a:off x="126594" y="214579"/>
+            <a:ext cx="2693879" cy="369332"/>
+          </a:xfrm>
+          <a:prstGeom prst="rect">
+            <a:avLst/>
+          </a:prstGeom>
+        </p:spPr>
+        <p:txBody>
+          <a:bodyPr wrap="none">
+            <a:spAutoFit/>
+          </a:bodyPr>
+          <a:lstStyle/>
+          <a:p>
+            <a:pPr marL="342900" lvl="0" indent="-342900">
+              <a:buFont typeface="+mj-lt"/>
+              <a:buAutoNum type="arabicPeriod"/>
             </a:pPr>
             <a:r>
-              <a:rPr lang="it-IT" sz="1800" dirty="0" smtClean="0"/>
+              <a:rPr lang="it-IT" dirty="0"/>
+              <a:t>RegistrationForm.html:</a:t>
+            </a:r>
+            <a:endParaRPr lang="it-IT" dirty="0"/>
+          </a:p>
+        </p:txBody>
+      </p:sp>
+      <p:sp>
+        <p:nvSpPr>
+          <p:cNvPr id="48" name="CasellaDiTesto 47"/>
+          <p:cNvSpPr txBox="1"/>
+          <p:nvPr/>
+        </p:nvSpPr>
+        <p:spPr>
+          <a:xfrm>
+            <a:off x="265043" y="3783087"/>
+            <a:ext cx="11815340" cy="2862322"/>
+          </a:xfrm>
+          <a:prstGeom prst="rect">
+            <a:avLst/>
+          </a:prstGeom>
+          <a:noFill/>
+        </p:spPr>
+        <p:txBody>
+          <a:bodyPr wrap="square" rtlCol="0">
+            <a:spAutoFit/>
+          </a:bodyPr>
+          <a:lstStyle/>
+          <a:p>
+            <a:r>
+              <a:rPr lang="it-IT" dirty="0" smtClean="0"/>
+              <a:t>La </a:t>
+            </a:r>
+            <a:r>
+              <a:rPr lang="it-IT" dirty="0"/>
+              <a:t>classe </a:t>
+            </a:r>
+            <a:r>
+              <a:rPr lang="it-IT" b="1" dirty="0"/>
+              <a:t>RegistrationForm.html </a:t>
+            </a:r>
+            <a:r>
+              <a:rPr lang="it-IT" dirty="0"/>
+              <a:t>contiene un form con metodo post il quale permette di compilare i campi necessari a creare il nuovo account e,  trasmette i dati alla classe </a:t>
+            </a:r>
+            <a:r>
+              <a:rPr lang="it-IT" b="1" dirty="0"/>
+              <a:t>Registration.jsp.</a:t>
+            </a:r>
+            <a:r>
+              <a:rPr lang="it-IT" dirty="0"/>
+              <a:t> </a:t>
+            </a:r>
+            <a:endParaRPr lang="it-IT" dirty="0" smtClean="0"/>
+          </a:p>
+          <a:p>
+            <a:endParaRPr lang="it-IT" dirty="0"/>
+          </a:p>
+          <a:p>
+            <a:r>
+              <a:rPr lang="it-IT" dirty="0" smtClean="0"/>
+              <a:t>Da tale classe si ha la possibilità di tornare indietro alla pagina dalla quale si è effettuato il Sign-UP, oppure tornare alla pagina</a:t>
+            </a:r>
+          </a:p>
+          <a:p>
+            <a:r>
+              <a:rPr lang="it-IT" dirty="0" smtClean="0"/>
+              <a:t>Iniziale index.html.</a:t>
+            </a:r>
+          </a:p>
+          <a:p>
+            <a:endParaRPr lang="it-IT" dirty="0"/>
+          </a:p>
+          <a:p>
+            <a:endParaRPr lang="it-IT" dirty="0" smtClean="0"/>
+          </a:p>
+          <a:p>
+            <a:endParaRPr lang="it-IT" dirty="0"/>
+          </a:p>
+          <a:p>
+            <a:endParaRPr lang="it-IT" dirty="0" smtClean="0"/>
+          </a:p>
+          <a:p>
+            <a:endParaRPr lang="it-IT" dirty="0"/>
+          </a:p>
+        </p:txBody>
+      </p:sp>
+      <p:pic>
+        <p:nvPicPr>
+          <p:cNvPr id="49" name="Immagine 48"/>
+          <p:cNvPicPr>
+            <a:picLocks noChangeAspect="1"/>
+          </p:cNvPicPr>
+          <p:nvPr/>
+        </p:nvPicPr>
+        <p:blipFill>
+          <a:blip r:embed="rId2"/>
+          <a:stretch>
+            <a:fillRect/>
+          </a:stretch>
+        </p:blipFill>
+        <p:spPr>
+          <a:xfrm>
+            <a:off x="474278" y="583911"/>
+            <a:ext cx="11396870" cy="2863663"/>
+          </a:xfrm>
+          <a:prstGeom prst="rect">
+            <a:avLst/>
+          </a:prstGeom>
+        </p:spPr>
+      </p:pic>
+    </p:spTree>
+    <p:extLst>
+      <p:ext uri="{BB962C8B-B14F-4D97-AF65-F5344CB8AC3E}">
+        <p14:creationId xmlns:p14="http://schemas.microsoft.com/office/powerpoint/2010/main" val="3590814531"/>
+      </p:ext>
+    </p:extLst>
+  </p:cSld>
+  <p:clrMapOvr>
+    <a:masterClrMapping/>
+  </p:clrMapOvr>
+  <p:timing>
+    <p:tnLst>
+      <p:par>
+        <p:cTn id="1" dur="indefinite" restart="never" nodeType="tmRoot"/>
+      </p:par>
+    </p:tnLst>
+  </p:timing>
+</p:sld>
+</file>
+
+<file path=ppt/slides/slide5.xml><?xml version="1.0" encoding="utf-8"?>
+<p:sld xmlns:a="http://schemas.openxmlformats.org/drawingml/2006/main" xmlns:r="http://schemas.openxmlformats.org/officeDocument/2006/relationships" xmlns:p="http://schemas.openxmlformats.org/presentationml/2006/main">
+  <p:cSld>
+    <p:spTree>
+      <p:nvGrpSpPr>
+        <p:cNvPr id="1" name=""/>
+        <p:cNvGrpSpPr/>
+        <p:nvPr/>
+      </p:nvGrpSpPr>
+      <p:grpSpPr>
+        <a:xfrm>
+          <a:off x="0" y="0"/>
+          <a:ext cx="0" cy="0"/>
+          <a:chOff x="0" y="0"/>
+          <a:chExt cx="0" cy="0"/>
+        </a:xfrm>
+      </p:grpSpPr>
+      <p:pic>
+        <p:nvPicPr>
+          <p:cNvPr id="6" name="Segnaposto contenuto 5"/>
+          <p:cNvPicPr>
+            <a:picLocks noGrp="1" noChangeAspect="1"/>
+          </p:cNvPicPr>
+          <p:nvPr>
+            <p:ph idx="1"/>
+          </p:nvPr>
+        </p:nvPicPr>
+        <p:blipFill rotWithShape="1">
+          <a:blip r:embed="rId2"/>
+          <a:srcRect l="24874" t="22200" r="32599" b="36454"/>
+          <a:stretch/>
+        </p:blipFill>
+        <p:spPr>
+          <a:xfrm>
+            <a:off x="0" y="399246"/>
+            <a:ext cx="7212170" cy="3618963"/>
+          </a:xfrm>
+          <a:prstGeom prst="rect">
+            <a:avLst/>
+          </a:prstGeom>
+        </p:spPr>
+      </p:pic>
+      <p:sp>
+        <p:nvSpPr>
+          <p:cNvPr id="7" name="CasellaDiTesto 6"/>
+          <p:cNvSpPr txBox="1"/>
+          <p:nvPr/>
+        </p:nvSpPr>
+        <p:spPr>
+          <a:xfrm>
+            <a:off x="7212171" y="167425"/>
+            <a:ext cx="4847308" cy="3416320"/>
+          </a:xfrm>
+          <a:prstGeom prst="rect">
+            <a:avLst/>
+          </a:prstGeom>
+          <a:noFill/>
+        </p:spPr>
+        <p:txBody>
+          <a:bodyPr wrap="square" rtlCol="0">
+            <a:spAutoFit/>
+          </a:bodyPr>
+          <a:lstStyle/>
+          <a:p>
+            <a:r>
+              <a:rPr lang="it-IT" dirty="0" smtClean="0"/>
+              <a:t>tramite </a:t>
+            </a:r>
+            <a:r>
+              <a:rPr lang="it-IT" dirty="0"/>
+              <a:t>metodi </a:t>
+            </a:r>
+            <a:r>
+              <a:rPr lang="it-IT" b="1" dirty="0"/>
+              <a:t>request.getParameter(“campi”)</a:t>
+            </a:r>
+            <a:r>
+              <a:rPr lang="it-IT" dirty="0"/>
+              <a:t> ottiene le credenziali e richiama il metodo </a:t>
+            </a:r>
+            <a:r>
+              <a:rPr lang="it-IT" b="1" dirty="0"/>
+              <a:t>addUser(credenziali);</a:t>
+            </a:r>
+            <a:r>
+              <a:rPr lang="it-IT" dirty="0"/>
+              <a:t> (della classe DBUserHandler ) il quale esegue la query di inserimento delle credenziali del nuovo user account nel database e, se andato a buon fine, restituisce un boolean true altrimenti un boolean false. </a:t>
+            </a:r>
+          </a:p>
+          <a:p>
+            <a:r>
+              <a:rPr lang="it-IT" dirty="0"/>
+              <a:t>Allora se l’inserimento è andato a buon fine con il metodo </a:t>
+            </a:r>
+            <a:r>
+              <a:rPr lang="it-IT" b="1" dirty="0"/>
+              <a:t>session.setAttribute(“userid”, user);</a:t>
+            </a:r>
+            <a:r>
+              <a:rPr lang="it-IT" dirty="0"/>
+              <a:t> assegna user come oggetto della sessione, assegnandoli il nome userid e reindirizza </a:t>
+            </a:r>
+            <a:r>
+              <a:rPr lang="it-IT" dirty="0" smtClean="0"/>
+              <a:t>a</a:t>
+            </a:r>
+            <a:endParaRPr lang="it-IT" dirty="0"/>
+          </a:p>
+        </p:txBody>
+      </p:sp>
+      <p:sp>
+        <p:nvSpPr>
+          <p:cNvPr id="8" name="CasellaDiTesto 7"/>
+          <p:cNvSpPr txBox="1"/>
+          <p:nvPr/>
+        </p:nvSpPr>
+        <p:spPr>
+          <a:xfrm>
+            <a:off x="0" y="4250027"/>
+            <a:ext cx="11616743" cy="646331"/>
+          </a:xfrm>
+          <a:prstGeom prst="rect">
+            <a:avLst/>
+          </a:prstGeom>
+          <a:noFill/>
+        </p:spPr>
+        <p:txBody>
+          <a:bodyPr wrap="square" rtlCol="0">
+            <a:spAutoFit/>
+          </a:bodyPr>
+          <a:lstStyle/>
+          <a:p>
+            <a:r>
+              <a:rPr lang="it-IT" dirty="0" smtClean="0"/>
+              <a:t>MBSystemPage.jsp per iniziare la configurazione. Altrimenti il customer verrà reindirizzato ad una pagina jsp la quale comunicherà che l’username è già in uso e, tramite il link, da la possibilità di riprovare la registrazione. </a:t>
+            </a:r>
+            <a:endParaRPr lang="it-IT" dirty="0"/>
+          </a:p>
+        </p:txBody>
+      </p:sp>
+      <p:sp>
+        <p:nvSpPr>
+          <p:cNvPr id="10" name="CasellaDiTesto 9"/>
+          <p:cNvSpPr txBox="1"/>
+          <p:nvPr/>
+        </p:nvSpPr>
+        <p:spPr>
+          <a:xfrm>
+            <a:off x="1" y="55671"/>
+            <a:ext cx="2743200" cy="369332"/>
+          </a:xfrm>
+          <a:prstGeom prst="rect">
+            <a:avLst/>
+          </a:prstGeom>
+          <a:noFill/>
+        </p:spPr>
+        <p:txBody>
+          <a:bodyPr wrap="square" rtlCol="0">
+            <a:spAutoFit/>
+          </a:bodyPr>
+          <a:lstStyle/>
+          <a:p>
+            <a:r>
+              <a:rPr lang="it-IT" b="1" dirty="0" smtClean="0"/>
+              <a:t>2. Registration.jsp</a:t>
+            </a:r>
+            <a:endParaRPr lang="it-IT" b="1" dirty="0"/>
+          </a:p>
+        </p:txBody>
+      </p:sp>
+    </p:spTree>
+    <p:extLst>
+      <p:ext uri="{BB962C8B-B14F-4D97-AF65-F5344CB8AC3E}">
+        <p14:creationId xmlns:p14="http://schemas.microsoft.com/office/powerpoint/2010/main" val="192511113"/>
+      </p:ext>
+    </p:extLst>
+  </p:cSld>
+  <p:clrMapOvr>
+    <a:masterClrMapping/>
+  </p:clrMapOvr>
+  <p:timing>
+    <p:tnLst>
+      <p:par>
+        <p:cTn id="1" dur="indefinite" restart="never" nodeType="tmRoot"/>
+      </p:par>
+    </p:tnLst>
+  </p:timing>
+</p:sld>
+</file>
+
+<file path=ppt/slides/slide6.xml><?xml version="1.0" encoding="utf-8"?>
+<p:sld xmlns:a="http://schemas.openxmlformats.org/drawingml/2006/main" xmlns:r="http://schemas.openxmlformats.org/officeDocument/2006/relationships" xmlns:p="http://schemas.openxmlformats.org/presentationml/2006/main">
+  <p:cSld>
+    <p:spTree>
+      <p:nvGrpSpPr>
+        <p:cNvPr id="1" name=""/>
+        <p:cNvGrpSpPr/>
+        <p:nvPr/>
+      </p:nvGrpSpPr>
+      <p:grpSpPr>
+        <a:xfrm>
+          <a:off x="0" y="0"/>
+          <a:ext cx="0" cy="0"/>
+          <a:chOff x="0" y="0"/>
+          <a:chExt cx="0" cy="0"/>
+        </a:xfrm>
+      </p:grpSpPr>
+      <p:sp>
+        <p:nvSpPr>
+          <p:cNvPr id="7" name="CasellaDiTesto 6"/>
+          <p:cNvSpPr txBox="1"/>
+          <p:nvPr/>
+        </p:nvSpPr>
+        <p:spPr>
+          <a:xfrm>
+            <a:off x="270455" y="2910624"/>
+            <a:ext cx="11603865" cy="1477328"/>
+          </a:xfrm>
+          <a:prstGeom prst="rect">
+            <a:avLst/>
+          </a:prstGeom>
+          <a:noFill/>
+        </p:spPr>
+        <p:txBody>
+          <a:bodyPr wrap="square" rtlCol="0">
+            <a:spAutoFit/>
+          </a:bodyPr>
+          <a:lstStyle/>
+          <a:p>
+            <a:r>
+              <a:rPr lang="it-IT" dirty="0"/>
+              <a:t>Nella classi </a:t>
+            </a:r>
+            <a:r>
+              <a:rPr lang="it-IT" b="1" dirty="0"/>
+              <a:t>“Componenti”SystemPage.jsp</a:t>
+            </a:r>
+            <a:r>
+              <a:rPr lang="it-IT" dirty="0"/>
+              <a:t> è presente il metodo </a:t>
+            </a:r>
+            <a:r>
+              <a:rPr lang="it-IT" b="1" dirty="0"/>
+              <a:t>session.getAttribute(“userid</a:t>
+            </a:r>
+            <a:r>
+              <a:rPr lang="it-IT" b="1" dirty="0" smtClean="0"/>
+              <a:t>”); </a:t>
+            </a:r>
+            <a:r>
+              <a:rPr lang="it-IT" dirty="0" smtClean="0"/>
+              <a:t>il </a:t>
+            </a:r>
+            <a:r>
+              <a:rPr lang="it-IT" dirty="0"/>
+              <a:t>quale permette di ricavare il valore dell’attributo user fornendo in input il nome dell’attributo stesso.</a:t>
+            </a:r>
+          </a:p>
+          <a:p>
+            <a:r>
+              <a:rPr lang="it-IT" dirty="0"/>
+              <a:t>Così da tenere traccia dell’utente durante la navigazione tra le pagine jsp. </a:t>
+            </a:r>
+          </a:p>
+          <a:p>
+            <a:r>
+              <a:rPr lang="it-IT" dirty="0"/>
+              <a:t>Allora a questo punto l’utente potrà creare una configurazione e salvarla, in modo tale che ad </a:t>
+            </a:r>
+            <a:r>
+              <a:rPr lang="it-IT" dirty="0" smtClean="0"/>
+              <a:t>ogni </a:t>
+            </a:r>
+            <a:r>
+              <a:rPr lang="it-IT" dirty="0"/>
+              <a:t>accesso fatto in futuro avrà la possibilità di tenere traccia delle configurazioni salvate.</a:t>
+            </a:r>
+          </a:p>
+        </p:txBody>
+      </p:sp>
+      <p:pic>
+        <p:nvPicPr>
+          <p:cNvPr id="10" name="Immagine 9"/>
+          <p:cNvPicPr>
+            <a:picLocks noChangeAspect="1"/>
+          </p:cNvPicPr>
+          <p:nvPr/>
+        </p:nvPicPr>
+        <p:blipFill>
+          <a:blip r:embed="rId2"/>
+          <a:stretch>
+            <a:fillRect/>
+          </a:stretch>
+        </p:blipFill>
+        <p:spPr>
+          <a:xfrm>
+            <a:off x="266530" y="620478"/>
+            <a:ext cx="11607790" cy="2164268"/>
+          </a:xfrm>
+          <a:prstGeom prst="rect">
+            <a:avLst/>
+          </a:prstGeom>
+        </p:spPr>
+      </p:pic>
+    </p:spTree>
+    <p:extLst>
+      <p:ext uri="{BB962C8B-B14F-4D97-AF65-F5344CB8AC3E}">
+        <p14:creationId xmlns:p14="http://schemas.microsoft.com/office/powerpoint/2010/main" val="3146525642"/>
+      </p:ext>
+    </p:extLst>
+  </p:cSld>
+  <p:clrMapOvr>
+    <a:masterClrMapping/>
+  </p:clrMapOvr>
+  <p:timing>
+    <p:tnLst>
+      <p:par>
+        <p:cTn id="1" dur="indefinite" restart="never" nodeType="tmRoot"/>
+      </p:par>
+    </p:tnLst>
+  </p:timing>
+</p:sld>
+</file>
+
+<file path=ppt/slides/slide7.xml><?xml version="1.0" encoding="utf-8"?>
+<p:sld xmlns:a="http://schemas.openxmlformats.org/drawingml/2006/main" xmlns:r="http://schemas.openxmlformats.org/officeDocument/2006/relationships" xmlns:p="http://schemas.openxmlformats.org/presentationml/2006/main">
+  <p:cSld>
+    <p:spTree>
+      <p:nvGrpSpPr>
+        <p:cNvPr id="1" name=""/>
+        <p:cNvGrpSpPr/>
+        <p:nvPr/>
+      </p:nvGrpSpPr>
+      <p:grpSpPr>
+        <a:xfrm>
+          <a:off x="0" y="0"/>
+          <a:ext cx="0" cy="0"/>
+          <a:chOff x="0" y="0"/>
+          <a:chExt cx="0" cy="0"/>
+        </a:xfrm>
+      </p:grpSpPr>
+      <p:pic>
+        <p:nvPicPr>
+          <p:cNvPr id="4" name="Segnaposto contenuto 3"/>
+          <p:cNvPicPr>
+            <a:picLocks noGrp="1" noChangeAspect="1"/>
+          </p:cNvPicPr>
+          <p:nvPr>
+            <p:ph idx="1"/>
+          </p:nvPr>
+        </p:nvPicPr>
+        <p:blipFill rotWithShape="1">
+          <a:blip r:embed="rId2"/>
+          <a:srcRect l="12798" t="30971" r="6026" b="46938"/>
+          <a:stretch/>
+        </p:blipFill>
+        <p:spPr>
+          <a:xfrm>
+            <a:off x="218940" y="540253"/>
+            <a:ext cx="10367493" cy="2240924"/>
+          </a:xfrm>
+          <a:prstGeom prst="rect">
+            <a:avLst/>
+          </a:prstGeom>
+        </p:spPr>
+      </p:pic>
+      <p:sp>
+        <p:nvSpPr>
+          <p:cNvPr id="5" name="CasellaDiTesto 4"/>
+          <p:cNvSpPr txBox="1"/>
+          <p:nvPr/>
+        </p:nvSpPr>
+        <p:spPr>
+          <a:xfrm>
+            <a:off x="218941" y="2607084"/>
+            <a:ext cx="11230377" cy="1077218"/>
+          </a:xfrm>
+          <a:prstGeom prst="rect">
+            <a:avLst/>
+          </a:prstGeom>
+          <a:noFill/>
+        </p:spPr>
+        <p:txBody>
+          <a:bodyPr wrap="square" rtlCol="0">
+            <a:spAutoFit/>
+          </a:bodyPr>
+          <a:lstStyle/>
+          <a:p>
+            <a:r>
+              <a:rPr lang="it-IT" sz="1600" dirty="0"/>
+              <a:t>Cliccando sul pulsante </a:t>
+            </a:r>
+            <a:r>
+              <a:rPr lang="it-IT" sz="1600" b="1" dirty="0"/>
+              <a:t>Sign-In </a:t>
+            </a:r>
+            <a:r>
+              <a:rPr lang="it-IT" sz="1600" dirty="0"/>
+              <a:t>il customer viene reindirizzato alla pagina </a:t>
+            </a:r>
+            <a:r>
+              <a:rPr lang="it-IT" sz="1600" b="1" dirty="0"/>
+              <a:t>login.html</a:t>
+            </a:r>
+            <a:r>
+              <a:rPr lang="it-IT" sz="1600" b="1" dirty="0" smtClean="0"/>
+              <a:t>, </a:t>
+            </a:r>
+            <a:r>
+              <a:rPr lang="it-IT" sz="1600" dirty="0"/>
+              <a:t>la quale contiene un form con metodo post </a:t>
+            </a:r>
+            <a:r>
+              <a:rPr lang="it-IT" sz="1600" dirty="0" smtClean="0"/>
+              <a:t>che permette </a:t>
+            </a:r>
+            <a:r>
+              <a:rPr lang="it-IT" sz="1600" dirty="0"/>
+              <a:t>di compilare i campi necessari a effettuare la login e</a:t>
+            </a:r>
+            <a:r>
+              <a:rPr lang="it-IT" sz="1600" dirty="0" smtClean="0"/>
+              <a:t>, </a:t>
+            </a:r>
+            <a:r>
+              <a:rPr lang="it-IT" sz="1600" dirty="0"/>
+              <a:t>trasmette i dati alla classe </a:t>
+            </a:r>
+            <a:r>
+              <a:rPr lang="it-IT" sz="1600" b="1" dirty="0"/>
+              <a:t>CustomerLogin.jsp</a:t>
+            </a:r>
+            <a:r>
+              <a:rPr lang="it-IT" sz="1600" b="1" dirty="0" smtClean="0"/>
+              <a:t>. </a:t>
+            </a:r>
+          </a:p>
+          <a:p>
+            <a:r>
+              <a:rPr lang="it-IT" sz="1600" dirty="0" smtClean="0"/>
+              <a:t>Oppure nel caso il customer non dovesse essere registrato, da la possibilità di accedere all’area di registrazione tramite apposito link. Altrimenti la possibilità di tornare alla pagina principale </a:t>
+            </a:r>
+            <a:r>
+              <a:rPr lang="it-IT" sz="1600" b="1" dirty="0" smtClean="0"/>
+              <a:t>index.html</a:t>
+            </a:r>
+            <a:r>
+              <a:rPr lang="it-IT" sz="1600" dirty="0" smtClean="0"/>
+              <a:t>.</a:t>
+            </a:r>
+          </a:p>
+        </p:txBody>
+      </p:sp>
+      <p:pic>
+        <p:nvPicPr>
+          <p:cNvPr id="6" name="Immagine 5"/>
+          <p:cNvPicPr>
+            <a:picLocks noChangeAspect="1"/>
+          </p:cNvPicPr>
+          <p:nvPr/>
+        </p:nvPicPr>
+        <p:blipFill>
+          <a:blip r:embed="rId3"/>
+          <a:stretch>
+            <a:fillRect/>
+          </a:stretch>
+        </p:blipFill>
+        <p:spPr>
+          <a:xfrm>
+            <a:off x="218941" y="3704508"/>
+            <a:ext cx="8797290" cy="2284168"/>
+          </a:xfrm>
+          <a:prstGeom prst="rect">
+            <a:avLst/>
+          </a:prstGeom>
+        </p:spPr>
+      </p:pic>
+      <p:sp>
+        <p:nvSpPr>
+          <p:cNvPr id="7" name="CasellaDiTesto 6"/>
+          <p:cNvSpPr txBox="1"/>
+          <p:nvPr/>
+        </p:nvSpPr>
+        <p:spPr>
+          <a:xfrm>
+            <a:off x="9201955" y="3704507"/>
+            <a:ext cx="2768957" cy="2308324"/>
+          </a:xfrm>
+          <a:prstGeom prst="rect">
+            <a:avLst/>
+          </a:prstGeom>
+          <a:noFill/>
+        </p:spPr>
+        <p:txBody>
+          <a:bodyPr wrap="square" rtlCol="0">
+            <a:spAutoFit/>
+          </a:bodyPr>
+          <a:lstStyle/>
+          <a:p>
+            <a:r>
+              <a:rPr lang="it-IT" dirty="0" smtClean="0"/>
+              <a:t>tramite metodo request.getParameter(campi); ottiene le credenziali e, crea una connessione con il database tramite metodo Connect() della classe DBConnection.java.</a:t>
+            </a:r>
+          </a:p>
+          <a:p>
+            <a:r>
+              <a:rPr lang="it-IT" dirty="0" smtClean="0"/>
+              <a:t>Esegue la query (select *</a:t>
+            </a:r>
+            <a:endParaRPr lang="it-IT" dirty="0"/>
+          </a:p>
+        </p:txBody>
+      </p:sp>
+      <p:sp>
+        <p:nvSpPr>
+          <p:cNvPr id="8" name="CasellaDiTesto 7"/>
+          <p:cNvSpPr txBox="1"/>
+          <p:nvPr/>
+        </p:nvSpPr>
+        <p:spPr>
+          <a:xfrm>
+            <a:off x="218941" y="5988676"/>
+            <a:ext cx="11661819" cy="923330"/>
+          </a:xfrm>
+          <a:prstGeom prst="rect">
+            <a:avLst/>
+          </a:prstGeom>
+          <a:noFill/>
+        </p:spPr>
+        <p:txBody>
+          <a:bodyPr wrap="square" rtlCol="0">
+            <a:spAutoFit/>
+          </a:bodyPr>
+          <a:lstStyle/>
+          <a:p>
+            <a:r>
+              <a:rPr lang="it-IT" dirty="0" smtClean="0"/>
+              <a:t>from Customerlogin where userid= user and password= pass), se il risultato è positivo allora con metodo session.setAttribute(“userid”) imposta userid come attributo della sessione assegnandoli il nome userid e reindirizza alla “Componenti”SystemPage.jsp dalla quale è stata fatta la login in modo da poter continuare con la configurazione.</a:t>
+            </a:r>
+            <a:endParaRPr lang="it-IT" dirty="0"/>
+          </a:p>
+        </p:txBody>
+      </p:sp>
+      <p:sp>
+        <p:nvSpPr>
+          <p:cNvPr id="10" name="CasellaDiTesto 9"/>
+          <p:cNvSpPr txBox="1"/>
+          <p:nvPr/>
+        </p:nvSpPr>
+        <p:spPr>
+          <a:xfrm>
+            <a:off x="218940" y="115910"/>
+            <a:ext cx="3554570" cy="369332"/>
+          </a:xfrm>
+          <a:prstGeom prst="rect">
+            <a:avLst/>
+          </a:prstGeom>
+          <a:noFill/>
+        </p:spPr>
+        <p:txBody>
+          <a:bodyPr wrap="square" rtlCol="0">
+            <a:spAutoFit/>
+          </a:bodyPr>
+          <a:lstStyle/>
+          <a:p>
+            <a:r>
+              <a:rPr lang="it-IT" b="1" dirty="0" smtClean="0"/>
+              <a:t>3. Login.html / 4.CustomerLogin.jsp</a:t>
+            </a:r>
+            <a:endParaRPr lang="it-IT" b="1" dirty="0"/>
+          </a:p>
+        </p:txBody>
+      </p:sp>
+    </p:spTree>
+    <p:extLst>
+      <p:ext uri="{BB962C8B-B14F-4D97-AF65-F5344CB8AC3E}">
+        <p14:creationId xmlns:p14="http://schemas.microsoft.com/office/powerpoint/2010/main" val="1717315189"/>
+      </p:ext>
+    </p:extLst>
+  </p:cSld>
+  <p:clrMapOvr>
+    <a:masterClrMapping/>
+  </p:clrMapOvr>
+  <p:timing>
+    <p:tnLst>
+      <p:par>
+        <p:cTn id="1" dur="indefinite" restart="never" nodeType="tmRoot"/>
+      </p:par>
+    </p:tnLst>
+  </p:timing>
+</p:sld>
+</file>
+
+<file path=ppt/slides/slide8.xml><?xml version="1.0" encoding="utf-8"?>
+<p:sld xmlns:a="http://schemas.openxmlformats.org/drawingml/2006/main" xmlns:r="http://schemas.openxmlformats.org/officeDocument/2006/relationships" xmlns:p="http://schemas.openxmlformats.org/presentationml/2006/main">
+  <p:cSld>
+    <p:spTree>
+      <p:nvGrpSpPr>
+        <p:cNvPr id="1" name=""/>
+        <p:cNvGrpSpPr/>
+        <p:nvPr/>
+      </p:nvGrpSpPr>
+      <p:grpSpPr>
+        <a:xfrm>
+          <a:off x="0" y="0"/>
+          <a:ext cx="0" cy="0"/>
+          <a:chOff x="0" y="0"/>
+          <a:chExt cx="0" cy="0"/>
+        </a:xfrm>
+      </p:grpSpPr>
+      <p:pic>
+        <p:nvPicPr>
+          <p:cNvPr id="6" name="Segnaposto contenuto 5"/>
+          <p:cNvPicPr>
+            <a:picLocks noGrp="1" noChangeAspect="1"/>
+          </p:cNvPicPr>
+          <p:nvPr>
+            <p:ph idx="1"/>
+          </p:nvPr>
+        </p:nvPicPr>
+        <p:blipFill rotWithShape="1">
+          <a:blip r:embed="rId2"/>
+          <a:srcRect l="24500" t="21945" r="49833" b="70545"/>
+          <a:stretch/>
+        </p:blipFill>
+        <p:spPr>
+          <a:xfrm>
+            <a:off x="180304" y="802851"/>
+            <a:ext cx="6297769" cy="1055928"/>
+          </a:xfrm>
+          <a:prstGeom prst="rect">
+            <a:avLst/>
+          </a:prstGeom>
+        </p:spPr>
+      </p:pic>
+      <p:sp>
+        <p:nvSpPr>
+          <p:cNvPr id="8" name="CasellaDiTesto 7"/>
+          <p:cNvSpPr txBox="1"/>
+          <p:nvPr/>
+        </p:nvSpPr>
+        <p:spPr>
+          <a:xfrm>
+            <a:off x="399245" y="180130"/>
+            <a:ext cx="3155324" cy="369332"/>
+          </a:xfrm>
+          <a:prstGeom prst="rect">
+            <a:avLst/>
+          </a:prstGeom>
+          <a:noFill/>
+        </p:spPr>
+        <p:txBody>
+          <a:bodyPr wrap="square" rtlCol="0">
+            <a:spAutoFit/>
+          </a:bodyPr>
+          <a:lstStyle/>
+          <a:p>
+            <a:r>
+              <a:rPr lang="it-IT" b="1" dirty="0" smtClean="0"/>
+              <a:t>5. Logout.jsp</a:t>
+            </a:r>
+            <a:endParaRPr lang="it-IT" b="1" dirty="0"/>
+          </a:p>
+        </p:txBody>
+      </p:sp>
+      <p:sp>
+        <p:nvSpPr>
+          <p:cNvPr id="9" name="CasellaDiTesto 8"/>
+          <p:cNvSpPr txBox="1"/>
+          <p:nvPr/>
+        </p:nvSpPr>
+        <p:spPr>
+          <a:xfrm>
+            <a:off x="6671256" y="802851"/>
+            <a:ext cx="5306096" cy="646331"/>
+          </a:xfrm>
+          <a:prstGeom prst="rect">
+            <a:avLst/>
+          </a:prstGeom>
+          <a:noFill/>
+        </p:spPr>
+        <p:txBody>
+          <a:bodyPr wrap="square" rtlCol="0">
+            <a:spAutoFit/>
+          </a:bodyPr>
+          <a:lstStyle/>
+          <a:p>
+            <a:r>
+              <a:rPr lang="it-IT" dirty="0" smtClean="0"/>
+              <a:t>Imposta l’attributo userid della session a null e reindirizza alla pagina iniziale. </a:t>
+            </a:r>
+            <a:endParaRPr lang="it-IT" dirty="0"/>
+          </a:p>
+        </p:txBody>
+      </p:sp>
+      <p:sp>
+        <p:nvSpPr>
+          <p:cNvPr id="10" name="CasellaDiTesto 9"/>
+          <p:cNvSpPr txBox="1"/>
+          <p:nvPr/>
+        </p:nvSpPr>
+        <p:spPr>
+          <a:xfrm>
+            <a:off x="180304" y="2163651"/>
+            <a:ext cx="11217499" cy="2031325"/>
+          </a:xfrm>
+          <a:prstGeom prst="rect">
+            <a:avLst/>
+          </a:prstGeom>
+          <a:noFill/>
+        </p:spPr>
+        <p:txBody>
+          <a:bodyPr wrap="square" rtlCol="0">
+            <a:spAutoFit/>
+          </a:bodyPr>
+          <a:lstStyle/>
+          <a:p>
+            <a:r>
+              <a:rPr lang="it-IT" dirty="0" smtClean="0"/>
               <a:t>Lato admin sono state utilizzate le classi della cartella AdminPanel:</a:t>
             </a:r>
           </a:p>
@@ -4500,7 +5605,7 @@
               <a:buAutoNum type="arabicPeriod"/>
             </a:pPr>
             <a:r>
-              <a:rPr lang="it-IT" sz="1800" dirty="0" smtClean="0"/>
+              <a:rPr lang="it-IT" b="1" dirty="0" smtClean="0"/>
               <a:t>Login.html;</a:t>
             </a:r>
           </a:p>
@@ -4510,7 +5615,7 @@
               <a:buAutoNum type="arabicPeriod"/>
             </a:pPr>
             <a:r>
-              <a:rPr lang="it-IT" sz="1800" dirty="0" smtClean="0"/>
+              <a:rPr lang="it-IT" b="1" dirty="0" smtClean="0"/>
               <a:t>LoginAdmin.jsp;</a:t>
             </a:r>
           </a:p>
@@ -4520,7 +5625,7 @@
               <a:buAutoNum type="arabicPeriod"/>
             </a:pPr>
             <a:r>
-              <a:rPr lang="it-IT" sz="1800" dirty="0" smtClean="0"/>
+              <a:rPr lang="it-IT" b="1" dirty="0" smtClean="0"/>
               <a:t>ErrorLogin.html;</a:t>
             </a:r>
           </a:p>
@@ -4530,24 +5635,435 @@
               <a:buAutoNum type="arabicPeriod"/>
             </a:pPr>
             <a:r>
-              <a:rPr lang="it-IT" sz="1800" dirty="0" smtClean="0"/>
-              <a:t>Logout.jsp;</a:t>
-            </a:r>
-          </a:p>
-          <a:p>
-            <a:pPr marL="0" indent="0">
-              <a:buNone/>
-            </a:pPr>
-            <a:r>
-              <a:rPr lang="it-IT" sz="1800" dirty="0" smtClean="0"/>
+              <a:rPr lang="it-IT" b="1" dirty="0" smtClean="0"/>
+              <a:t>Logout.jsp</a:t>
+            </a:r>
+            <a:r>
+              <a:rPr lang="it-IT" dirty="0" smtClean="0"/>
+              <a:t>;</a:t>
+            </a:r>
+          </a:p>
+          <a:p>
+            <a:r>
+              <a:rPr lang="it-IT" dirty="0" smtClean="0"/>
               <a:t>Le quali permettono di interagire con il database lavorando sulla tabella AdminLogin (Username, Pass), di gestire la login, e di tenere traccia dell’admin durante la navigazione.</a:t>
             </a:r>
-          </a:p>
-          <a:p>
-            <a:pPr marL="0" indent="0">
-              <a:buNone/>
-            </a:pPr>
-            <a:endParaRPr lang="it-IT" sz="1800" dirty="0"/>
+            <a:endParaRPr lang="it-IT" dirty="0"/>
+          </a:p>
+        </p:txBody>
+      </p:sp>
+      <p:pic>
+        <p:nvPicPr>
+          <p:cNvPr id="11" name="Immagine 10"/>
+          <p:cNvPicPr>
+            <a:picLocks noChangeAspect="1"/>
+          </p:cNvPicPr>
+          <p:nvPr/>
+        </p:nvPicPr>
+        <p:blipFill>
+          <a:blip r:embed="rId3"/>
+          <a:stretch>
+            <a:fillRect/>
+          </a:stretch>
+        </p:blipFill>
+        <p:spPr>
+          <a:xfrm>
+            <a:off x="180304" y="4415752"/>
+            <a:ext cx="8535140" cy="1670449"/>
+          </a:xfrm>
+          <a:prstGeom prst="rect">
+            <a:avLst/>
+          </a:prstGeom>
+        </p:spPr>
+      </p:pic>
+      <p:cxnSp>
+        <p:nvCxnSpPr>
+          <p:cNvPr id="13" name="Connettore 1 12"/>
+          <p:cNvCxnSpPr/>
+          <p:nvPr/>
+        </p:nvCxnSpPr>
+        <p:spPr>
+          <a:xfrm flipV="1">
+            <a:off x="180304" y="1996225"/>
+            <a:ext cx="11539471" cy="38637"/>
+          </a:xfrm>
+          <a:prstGeom prst="line">
+            <a:avLst/>
+          </a:prstGeom>
+        </p:spPr>
+        <p:style>
+          <a:lnRef idx="1">
+            <a:schemeClr val="dk1"/>
+          </a:lnRef>
+          <a:fillRef idx="0">
+            <a:schemeClr val="dk1"/>
+          </a:fillRef>
+          <a:effectRef idx="0">
+            <a:schemeClr val="dk1"/>
+          </a:effectRef>
+          <a:fontRef idx="minor">
+            <a:schemeClr val="tx1"/>
+          </a:fontRef>
+        </p:style>
+      </p:cxnSp>
+      <p:sp>
+        <p:nvSpPr>
+          <p:cNvPr id="14" name="CasellaDiTesto 13"/>
+          <p:cNvSpPr txBox="1"/>
+          <p:nvPr/>
+        </p:nvSpPr>
+        <p:spPr>
+          <a:xfrm>
+            <a:off x="8847786" y="4011001"/>
+            <a:ext cx="3129566" cy="2295976"/>
+          </a:xfrm>
+          <a:prstGeom prst="rect">
+            <a:avLst/>
+          </a:prstGeom>
+          <a:noFill/>
+        </p:spPr>
+        <p:txBody>
+          <a:bodyPr wrap="square" rtlCol="0">
+            <a:spAutoFit/>
+          </a:bodyPr>
+          <a:lstStyle/>
+          <a:p>
+            <a:r>
+              <a:rPr lang="it-IT" dirty="0" smtClean="0"/>
+              <a:t>Cliccando sul pulsante Admin_Mode l’admin viene reindirizzato alla pagina login.html, la quale richiede che l’admin fornisca le credenziali per effettuare l’accesso. </a:t>
+            </a:r>
+          </a:p>
+          <a:p>
+            <a:endParaRPr lang="it-IT" dirty="0"/>
+          </a:p>
+        </p:txBody>
+      </p:sp>
+      <p:sp>
+        <p:nvSpPr>
+          <p:cNvPr id="16" name="CasellaDiTesto 15"/>
+          <p:cNvSpPr txBox="1"/>
+          <p:nvPr/>
+        </p:nvSpPr>
+        <p:spPr>
+          <a:xfrm>
+            <a:off x="296214" y="6086201"/>
+            <a:ext cx="9633397" cy="646331"/>
+          </a:xfrm>
+          <a:prstGeom prst="rect">
+            <a:avLst/>
+          </a:prstGeom>
+          <a:noFill/>
+        </p:spPr>
+        <p:txBody>
+          <a:bodyPr wrap="square" rtlCol="0">
+            <a:spAutoFit/>
+          </a:bodyPr>
+          <a:lstStyle/>
+          <a:p>
+            <a:r>
+              <a:rPr lang="it-IT" smtClean="0"/>
+              <a:t>Entrando più in dettaglio la classe login.html contiene un form con metodo post il quale permette di compilare i campi necessari a effettuare la login e, trasmette i dati alla classe LoginAdmin.jsp.</a:t>
+            </a:r>
+            <a:endParaRPr lang="it-IT" dirty="0"/>
+          </a:p>
+        </p:txBody>
+      </p:sp>
+    </p:spTree>
+    <p:extLst>
+      <p:ext uri="{BB962C8B-B14F-4D97-AF65-F5344CB8AC3E}">
+        <p14:creationId xmlns:p14="http://schemas.microsoft.com/office/powerpoint/2010/main" val="2406443775"/>
+      </p:ext>
+    </p:extLst>
+  </p:cSld>
+  <p:clrMapOvr>
+    <a:masterClrMapping/>
+  </p:clrMapOvr>
+  <p:timing>
+    <p:tnLst>
+      <p:par>
+        <p:cTn id="1" dur="indefinite" restart="never" nodeType="tmRoot"/>
+      </p:par>
+    </p:tnLst>
+  </p:timing>
+</p:sld>
+</file>
+
+<file path=ppt/slides/slide9.xml><?xml version="1.0" encoding="utf-8"?>
+<p:sld xmlns:a="http://schemas.openxmlformats.org/drawingml/2006/main" xmlns:r="http://schemas.openxmlformats.org/officeDocument/2006/relationships" xmlns:p="http://schemas.openxmlformats.org/presentationml/2006/main">
+  <p:cSld>
+    <p:spTree>
+      <p:nvGrpSpPr>
+        <p:cNvPr id="1" name=""/>
+        <p:cNvGrpSpPr/>
+        <p:nvPr/>
+      </p:nvGrpSpPr>
+      <p:grpSpPr>
+        <a:xfrm>
+          <a:off x="0" y="0"/>
+          <a:ext cx="0" cy="0"/>
+          <a:chOff x="0" y="0"/>
+          <a:chExt cx="0" cy="0"/>
+        </a:xfrm>
+      </p:grpSpPr>
+      <p:pic>
+        <p:nvPicPr>
+          <p:cNvPr id="7" name="Segnaposto contenuto 6"/>
+          <p:cNvPicPr>
+            <a:picLocks noGrp="1" noChangeAspect="1"/>
+          </p:cNvPicPr>
+          <p:nvPr>
+            <p:ph idx="1"/>
+          </p:nvPr>
+        </p:nvPicPr>
+        <p:blipFill rotWithShape="1">
+          <a:blip r:embed="rId2"/>
+          <a:srcRect l="25038" t="23967" r="10244" b="38205"/>
+          <a:stretch/>
+        </p:blipFill>
+        <p:spPr>
+          <a:xfrm>
+            <a:off x="309092" y="369332"/>
+            <a:ext cx="7611415" cy="2811750"/>
+          </a:xfrm>
+          <a:prstGeom prst="rect">
+            <a:avLst/>
+          </a:prstGeom>
+        </p:spPr>
+      </p:pic>
+      <p:sp>
+        <p:nvSpPr>
+          <p:cNvPr id="8" name="CasellaDiTesto 7"/>
+          <p:cNvSpPr txBox="1"/>
+          <p:nvPr/>
+        </p:nvSpPr>
+        <p:spPr>
+          <a:xfrm>
+            <a:off x="309092" y="0"/>
+            <a:ext cx="1841679" cy="369332"/>
+          </a:xfrm>
+          <a:prstGeom prst="rect">
+            <a:avLst/>
+          </a:prstGeom>
+          <a:noFill/>
+        </p:spPr>
+        <p:txBody>
+          <a:bodyPr wrap="square" rtlCol="0">
+            <a:spAutoFit/>
+          </a:bodyPr>
+          <a:lstStyle/>
+          <a:p>
+            <a:r>
+              <a:rPr lang="it-IT" b="1" dirty="0" smtClean="0"/>
+              <a:t>LoginAdmin.jsp</a:t>
+            </a:r>
+            <a:endParaRPr lang="it-IT" b="1" dirty="0"/>
+          </a:p>
+        </p:txBody>
+      </p:sp>
+      <p:sp>
+        <p:nvSpPr>
+          <p:cNvPr id="9" name="CasellaDiTesto 8"/>
+          <p:cNvSpPr txBox="1"/>
+          <p:nvPr/>
+        </p:nvSpPr>
+        <p:spPr>
+          <a:xfrm>
+            <a:off x="8100811" y="369332"/>
+            <a:ext cx="4091189" cy="2862322"/>
+          </a:xfrm>
+          <a:prstGeom prst="rect">
+            <a:avLst/>
+          </a:prstGeom>
+          <a:noFill/>
+        </p:spPr>
+        <p:txBody>
+          <a:bodyPr wrap="square" rtlCol="0">
+            <a:spAutoFit/>
+          </a:bodyPr>
+          <a:lstStyle/>
+          <a:p>
+            <a:r>
+              <a:rPr lang="it-IT" dirty="0" smtClean="0"/>
+              <a:t>tramite metodo </a:t>
+            </a:r>
+            <a:r>
+              <a:rPr lang="it-IT" b="1" dirty="0" smtClean="0"/>
+              <a:t>request.getParameter(campi); </a:t>
+            </a:r>
+            <a:r>
+              <a:rPr lang="it-IT" dirty="0" smtClean="0"/>
+              <a:t>ottiene le credenziali e, crea una connessione con il database tramite metodo </a:t>
+            </a:r>
+            <a:r>
+              <a:rPr lang="it-IT" b="1" dirty="0" smtClean="0"/>
+              <a:t>Connect() </a:t>
+            </a:r>
+            <a:r>
+              <a:rPr lang="it-IT" dirty="0" smtClean="0"/>
+              <a:t>della classe </a:t>
+            </a:r>
+            <a:r>
+              <a:rPr lang="it-IT" b="1" dirty="0" smtClean="0"/>
+              <a:t>DBConnection.java.</a:t>
+            </a:r>
+          </a:p>
+          <a:p>
+            <a:r>
+              <a:rPr lang="it-IT" dirty="0" smtClean="0"/>
+              <a:t>Esegue la query, se il risultato è positivo allora con metodo </a:t>
+            </a:r>
+            <a:r>
+              <a:rPr lang="it-IT" b="1" dirty="0" smtClean="0"/>
+              <a:t>session.setAttribute(“useridadm”, useridadm) </a:t>
+            </a:r>
+            <a:r>
+              <a:rPr lang="it-IT" dirty="0" smtClean="0"/>
+              <a:t>imposta useridad</a:t>
+            </a:r>
+            <a:r>
+              <a:rPr lang="it-IT" dirty="0"/>
+              <a:t>m</a:t>
+            </a:r>
+            <a:r>
+              <a:rPr lang="it-IT" dirty="0" smtClean="0"/>
+              <a:t> come attributo della sessione assegnandoli il</a:t>
+            </a:r>
+            <a:endParaRPr lang="it-IT" dirty="0"/>
+          </a:p>
+        </p:txBody>
+      </p:sp>
+      <p:sp>
+        <p:nvSpPr>
+          <p:cNvPr id="10" name="CasellaDiTesto 9"/>
+          <p:cNvSpPr txBox="1"/>
+          <p:nvPr/>
+        </p:nvSpPr>
+        <p:spPr>
+          <a:xfrm>
+            <a:off x="437882" y="3365748"/>
+            <a:ext cx="11754118" cy="646331"/>
+          </a:xfrm>
+          <a:prstGeom prst="rect">
+            <a:avLst/>
+          </a:prstGeom>
+          <a:noFill/>
+        </p:spPr>
+        <p:txBody>
+          <a:bodyPr wrap="square" rtlCol="0">
+            <a:spAutoFit/>
+          </a:bodyPr>
+          <a:lstStyle/>
+          <a:p>
+            <a:r>
+              <a:rPr lang="it-IT" dirty="0" smtClean="0"/>
+              <a:t>nome useridadm e reindirizza alla pagina </a:t>
+            </a:r>
+            <a:r>
+              <a:rPr lang="it-IT" b="1" dirty="0" smtClean="0"/>
+              <a:t>MotherboardPage.jsp</a:t>
+            </a:r>
+            <a:r>
+              <a:rPr lang="it-IT" dirty="0" smtClean="0"/>
+              <a:t> per poter gestire le componenti. </a:t>
+            </a:r>
+            <a:r>
+              <a:rPr lang="it-IT" dirty="0" smtClean="0"/>
+              <a:t>Nel caso in cui il risultato dovesse essere negativo allora l’utente viene reindirizzato alla pagina </a:t>
+            </a:r>
+            <a:r>
+              <a:rPr lang="it-IT" b="1" dirty="0" smtClean="0"/>
+              <a:t>ErrorLogin.html:</a:t>
+            </a:r>
+            <a:endParaRPr lang="it-IT" b="1" dirty="0"/>
+          </a:p>
+        </p:txBody>
+      </p:sp>
+      <p:pic>
+        <p:nvPicPr>
+          <p:cNvPr id="11" name="Immagine 10"/>
+          <p:cNvPicPr>
+            <a:picLocks noChangeAspect="1"/>
+          </p:cNvPicPr>
+          <p:nvPr/>
+        </p:nvPicPr>
+        <p:blipFill rotWithShape="1">
+          <a:blip r:embed="rId3"/>
+          <a:srcRect l="22549" t="17209" r="41322" b="70643"/>
+          <a:stretch/>
+        </p:blipFill>
+        <p:spPr>
+          <a:xfrm>
+            <a:off x="309092" y="4146173"/>
+            <a:ext cx="5499280" cy="1378864"/>
+          </a:xfrm>
+          <a:prstGeom prst="rect">
+            <a:avLst/>
+          </a:prstGeom>
+        </p:spPr>
+      </p:pic>
+      <p:sp>
+        <p:nvSpPr>
+          <p:cNvPr id="12" name="CasellaDiTesto 11"/>
+          <p:cNvSpPr txBox="1"/>
+          <p:nvPr/>
+        </p:nvSpPr>
+        <p:spPr>
+          <a:xfrm>
+            <a:off x="5950039" y="4146173"/>
+            <a:ext cx="5630772" cy="646331"/>
+          </a:xfrm>
+          <a:prstGeom prst="rect">
+            <a:avLst/>
+          </a:prstGeom>
+          <a:noFill/>
+        </p:spPr>
+        <p:txBody>
+          <a:bodyPr wrap="none" rtlCol="0">
+            <a:spAutoFit/>
+          </a:bodyPr>
+          <a:lstStyle/>
+          <a:p>
+            <a:r>
+              <a:rPr lang="it-IT" dirty="0" smtClean="0"/>
+              <a:t>La quale informa dell’errore e, tramite link dà la possibilità</a:t>
+            </a:r>
+          </a:p>
+          <a:p>
+            <a:r>
+              <a:rPr lang="it-IT" dirty="0" smtClean="0"/>
+              <a:t> di riprovare la login.</a:t>
+            </a:r>
+            <a:endParaRPr lang="it-IT" dirty="0"/>
+          </a:p>
+        </p:txBody>
+      </p:sp>
+      <p:sp>
+        <p:nvSpPr>
+          <p:cNvPr id="13" name="CasellaDiTesto 12"/>
+          <p:cNvSpPr txBox="1"/>
+          <p:nvPr/>
+        </p:nvSpPr>
+        <p:spPr>
+          <a:xfrm>
+            <a:off x="437883" y="5906217"/>
+            <a:ext cx="11142928" cy="369332"/>
+          </a:xfrm>
+          <a:prstGeom prst="rect">
+            <a:avLst/>
+          </a:prstGeom>
+          <a:noFill/>
+        </p:spPr>
+        <p:txBody>
+          <a:bodyPr wrap="square" rtlCol="0">
+            <a:spAutoFit/>
+          </a:bodyPr>
+          <a:lstStyle/>
+          <a:p>
+            <a:r>
+              <a:rPr lang="it-IT" dirty="0" smtClean="0"/>
+              <a:t>Riguardo il logout lato admin avviene in modo analogo al lato customer andando a richiamare la classe Logout.jsp</a:t>
+            </a:r>
+            <a:endParaRPr lang="it-IT" dirty="0"/>
           </a:p>
         </p:txBody>
       </p:sp>
@@ -4561,6 +6077,13 @@
   <p:clrMapOvr>
     <a:masterClrMapping/>
   </p:clrMapOvr>
+  <p:timing>
+    <p:tnLst>
+      <p:par>
+        <p:cTn id="1" dur="indefinite" restart="never" nodeType="tmRoot"/>
+      </p:par>
+    </p:tnLst>
+  </p:timing>
 </p:sld>
 </file>
 
